--- a/2-class/Ch01_DescriptiveStatistics.pptx
+++ b/2-class/Ch01_DescriptiveStatistics.pptx
@@ -18542,8 +18542,8 @@
           </a:p>
         </p:txBody>
       </p:sp>
-      <mc:AlternateContent xmlns:mc="http://schemas.openxmlformats.org/markup-compatibility/2006">
-        <mc:Choice xmlns:a14="http://schemas.microsoft.com/office/drawing/2010/main" Requires="a14">
+      <mc:AlternateContent xmlns:mc="http://schemas.openxmlformats.org/markup-compatibility/2006" xmlns:a14="http://schemas.microsoft.com/office/drawing/2010/main">
+        <mc:Choice Requires="a14">
           <p:sp>
             <p:nvSpPr>
               <p:cNvPr id="2" name="Content Placeholder 1"/>
@@ -18846,7 +18846,7 @@
             </p:txBody>
           </p:sp>
         </mc:Choice>
-        <mc:Fallback>
+        <mc:Fallback xmlns="">
           <p:sp>
             <p:nvSpPr>
               <p:cNvPr id="2" name="Content Placeholder 1"/>
@@ -32393,89 +32393,6 @@
           </a:graphicData>
         </a:graphic>
       </p:graphicFrame>
-      <p:graphicFrame>
-        <p:nvGraphicFramePr>
-          <p:cNvPr id="65541" name="Object 4"/>
-          <p:cNvGraphicFramePr>
-            <a:graphicFrameLocks noChangeAspect="1"/>
-          </p:cNvGraphicFramePr>
-          <p:nvPr/>
-        </p:nvGraphicFramePr>
-        <p:xfrm>
-          <a:off x="3502252" y="3321050"/>
-          <a:ext cx="1041400" cy="520700"/>
-        </p:xfrm>
-        <a:graphic>
-          <a:graphicData uri="http://schemas.openxmlformats.org/presentationml/2006/ole">
-            <mc:AlternateContent xmlns:mc="http://schemas.openxmlformats.org/markup-compatibility/2006">
-              <mc:Choice xmlns:v="urn:schemas-microsoft-com:vml" Requires="v">
-                <p:oleObj name="Equation" r:id="rId5" imgW="406048" imgH="203024" progId="">
-                  <p:embed/>
-                </p:oleObj>
-              </mc:Choice>
-              <mc:Fallback>
-                <p:oleObj name="Equation" r:id="rId5" imgW="406048" imgH="203024" progId="">
-                  <p:embed/>
-                  <p:pic>
-                    <p:nvPicPr>
-                      <p:cNvPr id="65541" name="Object 4"/>
-                      <p:cNvPicPr>
-                        <a:picLocks noChangeAspect="1" noChangeArrowheads="1"/>
-                      </p:cNvPicPr>
-                      <p:nvPr/>
-                    </p:nvPicPr>
-                    <p:blipFill>
-                      <a:blip r:embed="rId6">
-                        <a:extLst>
-                          <a:ext uri="{28A0092B-C50C-407E-A947-70E740481C1C}">
-                            <a14:useLocalDpi xmlns:a14="http://schemas.microsoft.com/office/drawing/2010/main" val="0"/>
-                          </a:ext>
-                        </a:extLst>
-                      </a:blip>
-                      <a:srcRect/>
-                      <a:stretch>
-                        <a:fillRect/>
-                      </a:stretch>
-                    </p:blipFill>
-                    <p:spPr bwMode="auto">
-                      <a:xfrm>
-                        <a:off x="3502252" y="3321050"/>
-                        <a:ext cx="1041400" cy="520700"/>
-                      </a:xfrm>
-                      <a:prstGeom prst="rect">
-                        <a:avLst/>
-                      </a:prstGeom>
-                      <a:noFill/>
-                      <a:ln>
-                        <a:noFill/>
-                      </a:ln>
-                      <a:extLst>
-                        <a:ext uri="{909E8E84-426E-40DD-AFC4-6F175D3DCCD1}">
-                          <a14:hiddenFill xmlns:a14="http://schemas.microsoft.com/office/drawing/2010/main">
-                            <a:solidFill>
-                              <a:srgbClr val="FFFFFF"/>
-                            </a:solidFill>
-                          </a14:hiddenFill>
-                        </a:ext>
-                        <a:ext uri="{91240B29-F687-4F45-9708-019B960494DF}">
-                          <a14:hiddenLine xmlns:a14="http://schemas.microsoft.com/office/drawing/2010/main" w="9525">
-                            <a:solidFill>
-                              <a:srgbClr val="000000"/>
-                            </a:solidFill>
-                            <a:miter lim="800000"/>
-                            <a:headEnd/>
-                            <a:tailEnd/>
-                          </a14:hiddenLine>
-                        </a:ext>
-                      </a:extLst>
-                    </p:spPr>
-                  </p:pic>
-                </p:oleObj>
-              </mc:Fallback>
-            </mc:AlternateContent>
-          </a:graphicData>
-        </a:graphic>
-      </p:graphicFrame>
       <p:sp>
         <p:nvSpPr>
           <p:cNvPr id="65542" name="Line 5"/>
@@ -32599,178 +32516,6 @@
           </a:p>
         </p:txBody>
       </p:sp>
-      <p:graphicFrame>
-        <p:nvGraphicFramePr>
-          <p:cNvPr id="65545" name="Object 8"/>
-          <p:cNvGraphicFramePr>
-            <a:graphicFrameLocks noChangeAspect="1"/>
-          </p:cNvGraphicFramePr>
-          <p:nvPr/>
-        </p:nvGraphicFramePr>
-        <p:xfrm>
-          <a:off x="8077201" y="5715000"/>
-          <a:ext cx="715963" cy="520700"/>
-        </p:xfrm>
-        <a:graphic>
-          <a:graphicData uri="http://schemas.openxmlformats.org/presentationml/2006/ole">
-            <mc:AlternateContent xmlns:mc="http://schemas.openxmlformats.org/markup-compatibility/2006">
-              <mc:Choice xmlns:v="urn:schemas-microsoft-com:vml" Requires="v">
-                <p:oleObj name="Equation" r:id="rId7" imgW="279279" imgH="203112" progId="">
-                  <p:embed/>
-                </p:oleObj>
-              </mc:Choice>
-              <mc:Fallback>
-                <p:oleObj name="Equation" r:id="rId7" imgW="279279" imgH="203112" progId="">
-                  <p:embed/>
-                  <p:pic>
-                    <p:nvPicPr>
-                      <p:cNvPr id="65545" name="Object 8"/>
-                      <p:cNvPicPr>
-                        <a:picLocks noChangeAspect="1" noChangeArrowheads="1"/>
-                      </p:cNvPicPr>
-                      <p:nvPr/>
-                    </p:nvPicPr>
-                    <p:blipFill>
-                      <a:blip r:embed="rId8">
-                        <a:extLst>
-                          <a:ext uri="{28A0092B-C50C-407E-A947-70E740481C1C}">
-                            <a14:useLocalDpi xmlns:a14="http://schemas.microsoft.com/office/drawing/2010/main" val="0"/>
-                          </a:ext>
-                        </a:extLst>
-                      </a:blip>
-                      <a:srcRect/>
-                      <a:stretch>
-                        <a:fillRect/>
-                      </a:stretch>
-                    </p:blipFill>
-                    <p:spPr bwMode="auto">
-                      <a:xfrm>
-                        <a:off x="8077201" y="5715000"/>
-                        <a:ext cx="715963" cy="520700"/>
-                      </a:xfrm>
-                      <a:prstGeom prst="rect">
-                        <a:avLst/>
-                      </a:prstGeom>
-                      <a:noFill/>
-                      <a:ln>
-                        <a:noFill/>
-                      </a:ln>
-                      <a:extLst>
-                        <a:ext uri="{909E8E84-426E-40DD-AFC4-6F175D3DCCD1}">
-                          <a14:hiddenFill xmlns:a14="http://schemas.microsoft.com/office/drawing/2010/main">
-                            <a:solidFill>
-                              <a:srgbClr val="FFFFFF"/>
-                            </a:solidFill>
-                          </a14:hiddenFill>
-                        </a:ext>
-                        <a:ext uri="{91240B29-F687-4F45-9708-019B960494DF}">
-                          <a14:hiddenLine xmlns:a14="http://schemas.microsoft.com/office/drawing/2010/main" w="9525">
-                            <a:solidFill>
-                              <a:srgbClr val="000000"/>
-                            </a:solidFill>
-                            <a:miter lim="800000"/>
-                            <a:headEnd/>
-                            <a:tailEnd/>
-                          </a14:hiddenLine>
-                        </a:ext>
-                      </a:extLst>
-                    </p:spPr>
-                  </p:pic>
-                </p:oleObj>
-              </mc:Fallback>
-            </mc:AlternateContent>
-          </a:graphicData>
-        </a:graphic>
-      </p:graphicFrame>
-      <p:graphicFrame>
-        <p:nvGraphicFramePr>
-          <p:cNvPr id="65546" name="Object 9"/>
-          <p:cNvGraphicFramePr>
-            <a:graphicFrameLocks noChangeAspect="1"/>
-          </p:cNvGraphicFramePr>
-          <p:nvPr>
-            <p:extLst>
-              <p:ext uri="{D42A27DB-BD31-4B8C-83A1-F6EECF244321}">
-                <p14:modId xmlns:p14="http://schemas.microsoft.com/office/powerpoint/2010/main" val="2148632498"/>
-              </p:ext>
-            </p:extLst>
-          </p:nvPr>
-        </p:nvGraphicFramePr>
-        <p:xfrm>
-          <a:off x="3502252" y="5747493"/>
-          <a:ext cx="846138" cy="520700"/>
-        </p:xfrm>
-        <a:graphic>
-          <a:graphicData uri="http://schemas.openxmlformats.org/presentationml/2006/ole">
-            <mc:AlternateContent xmlns:mc="http://schemas.openxmlformats.org/markup-compatibility/2006">
-              <mc:Choice xmlns:v="urn:schemas-microsoft-com:vml" Requires="v">
-                <p:oleObj name="Equation" r:id="rId9" imgW="330057" imgH="203112" progId="">
-                  <p:embed/>
-                </p:oleObj>
-              </mc:Choice>
-              <mc:Fallback>
-                <p:oleObj name="Equation" r:id="rId9" imgW="330057" imgH="203112" progId="">
-                  <p:embed/>
-                  <p:pic>
-                    <p:nvPicPr>
-                      <p:cNvPr id="65546" name="Object 9"/>
-                      <p:cNvPicPr>
-                        <a:picLocks noChangeAspect="1" noChangeArrowheads="1"/>
-                      </p:cNvPicPr>
-                      <p:nvPr/>
-                    </p:nvPicPr>
-                    <p:blipFill>
-                      <a:blip r:embed="rId10">
-                        <a:extLst>
-                          <a:ext uri="{28A0092B-C50C-407E-A947-70E740481C1C}">
-                            <a14:useLocalDpi xmlns:a14="http://schemas.microsoft.com/office/drawing/2010/main" val="0"/>
-                          </a:ext>
-                        </a:extLst>
-                      </a:blip>
-                      <a:srcRect/>
-                      <a:stretch>
-                        <a:fillRect/>
-                      </a:stretch>
-                    </p:blipFill>
-                    <p:spPr bwMode="auto">
-                      <a:xfrm>
-                        <a:off x="3502252" y="5747493"/>
-                        <a:ext cx="846138" cy="520700"/>
-                      </a:xfrm>
-                      <a:prstGeom prst="rect">
-                        <a:avLst/>
-                      </a:prstGeom>
-                      <a:noFill/>
-                      <a:ln>
-                        <a:noFill/>
-                      </a:ln>
-                      <a:extLst>
-                        <a:ext uri="{909E8E84-426E-40DD-AFC4-6F175D3DCCD1}">
-                          <a14:hiddenFill xmlns:a14="http://schemas.microsoft.com/office/drawing/2010/main">
-                            <a:solidFill>
-                              <a:srgbClr val="FFFFFF"/>
-                            </a:solidFill>
-                          </a14:hiddenFill>
-                        </a:ext>
-                        <a:ext uri="{91240B29-F687-4F45-9708-019B960494DF}">
-                          <a14:hiddenLine xmlns:a14="http://schemas.microsoft.com/office/drawing/2010/main" w="9525">
-                            <a:solidFill>
-                              <a:srgbClr val="000000"/>
-                            </a:solidFill>
-                            <a:miter lim="800000"/>
-                            <a:headEnd/>
-                            <a:tailEnd/>
-                          </a14:hiddenLine>
-                        </a:ext>
-                      </a:extLst>
-                    </p:spPr>
-                  </p:pic>
-                </p:oleObj>
-              </mc:Fallback>
-            </mc:AlternateContent>
-          </a:graphicData>
-        </a:graphic>
-      </p:graphicFrame>
       <p:sp>
         <p:nvSpPr>
           <p:cNvPr id="65547" name="Line 10"/>
@@ -33429,6 +33174,156 @@
           </a:p>
         </p:txBody>
       </p:sp>
+      <p:pic>
+        <p:nvPicPr>
+          <p:cNvPr id="3" name="Picture 2">
+            <a:extLst>
+              <a:ext uri="{FF2B5EF4-FFF2-40B4-BE49-F238E27FC236}">
+                <a16:creationId xmlns:a16="http://schemas.microsoft.com/office/drawing/2014/main" id="{045A9465-FE80-9A5C-BFAA-C4801263142F}"/>
+              </a:ext>
+            </a:extLst>
+          </p:cNvPr>
+          <p:cNvPicPr>
+            <a:picLocks noChangeAspect="1"/>
+          </p:cNvPicPr>
+          <p:nvPr/>
+        </p:nvPicPr>
+        <p:blipFill>
+          <a:blip r:embed="rId5"/>
+          <a:stretch>
+            <a:fillRect/>
+          </a:stretch>
+        </p:blipFill>
+        <p:spPr>
+          <a:xfrm>
+            <a:off x="3581400" y="3429000"/>
+            <a:ext cx="1143000" cy="406400"/>
+          </a:xfrm>
+          <a:prstGeom prst="rect">
+            <a:avLst/>
+          </a:prstGeom>
+        </p:spPr>
+      </p:pic>
+      <p:pic>
+        <p:nvPicPr>
+          <p:cNvPr id="4" name="Picture 3">
+            <a:extLst>
+              <a:ext uri="{FF2B5EF4-FFF2-40B4-BE49-F238E27FC236}">
+                <a16:creationId xmlns:a16="http://schemas.microsoft.com/office/drawing/2014/main" id="{444613FC-9703-C7F6-17D6-B9D196E8173F}"/>
+              </a:ext>
+            </a:extLst>
+          </p:cNvPr>
+          <p:cNvPicPr>
+            <a:picLocks noChangeAspect="1"/>
+          </p:cNvPicPr>
+          <p:nvPr/>
+        </p:nvPicPr>
+        <p:blipFill>
+          <a:blip r:embed="rId6"/>
+          <a:stretch>
+            <a:fillRect/>
+          </a:stretch>
+        </p:blipFill>
+        <p:spPr>
+          <a:xfrm>
+            <a:off x="3581400" y="5791200"/>
+            <a:ext cx="254000" cy="406400"/>
+          </a:xfrm>
+          <a:prstGeom prst="rect">
+            <a:avLst/>
+          </a:prstGeom>
+        </p:spPr>
+      </p:pic>
+      <p:pic>
+        <p:nvPicPr>
+          <p:cNvPr id="5" name="Picture 4">
+            <a:extLst>
+              <a:ext uri="{FF2B5EF4-FFF2-40B4-BE49-F238E27FC236}">
+                <a16:creationId xmlns:a16="http://schemas.microsoft.com/office/drawing/2014/main" id="{9353D63C-29D0-68F9-6FE1-C6B3A67084DE}"/>
+              </a:ext>
+            </a:extLst>
+          </p:cNvPr>
+          <p:cNvPicPr>
+            <a:picLocks noChangeAspect="1"/>
+          </p:cNvPicPr>
+          <p:nvPr/>
+        </p:nvPicPr>
+        <p:blipFill>
+          <a:blip r:embed="rId6"/>
+          <a:stretch>
+            <a:fillRect/>
+          </a:stretch>
+        </p:blipFill>
+        <p:spPr>
+          <a:xfrm>
+            <a:off x="8458200" y="5791200"/>
+            <a:ext cx="254000" cy="406400"/>
+          </a:xfrm>
+          <a:prstGeom prst="rect">
+            <a:avLst/>
+          </a:prstGeom>
+        </p:spPr>
+      </p:pic>
+      <p:pic>
+        <p:nvPicPr>
+          <p:cNvPr id="6" name="Picture 5">
+            <a:extLst>
+              <a:ext uri="{FF2B5EF4-FFF2-40B4-BE49-F238E27FC236}">
+                <a16:creationId xmlns:a16="http://schemas.microsoft.com/office/drawing/2014/main" id="{E3A04A24-427B-4931-990D-011FB0FD7B5E}"/>
+              </a:ext>
+            </a:extLst>
+          </p:cNvPr>
+          <p:cNvPicPr>
+            <a:picLocks noChangeAspect="1"/>
+          </p:cNvPicPr>
+          <p:nvPr/>
+        </p:nvPicPr>
+        <p:blipFill>
+          <a:blip r:embed="rId7"/>
+          <a:stretch>
+            <a:fillRect/>
+          </a:stretch>
+        </p:blipFill>
+        <p:spPr>
+          <a:xfrm>
+            <a:off x="3962400" y="5867400"/>
+            <a:ext cx="254000" cy="304800"/>
+          </a:xfrm>
+          <a:prstGeom prst="rect">
+            <a:avLst/>
+          </a:prstGeom>
+        </p:spPr>
+      </p:pic>
+      <p:pic>
+        <p:nvPicPr>
+          <p:cNvPr id="7" name="Picture 6">
+            <a:extLst>
+              <a:ext uri="{FF2B5EF4-FFF2-40B4-BE49-F238E27FC236}">
+                <a16:creationId xmlns:a16="http://schemas.microsoft.com/office/drawing/2014/main" id="{B1DC5B60-EF78-33CD-9956-3D7A97B7CCC0}"/>
+              </a:ext>
+            </a:extLst>
+          </p:cNvPr>
+          <p:cNvPicPr>
+            <a:picLocks noChangeAspect="1"/>
+          </p:cNvPicPr>
+          <p:nvPr/>
+        </p:nvPicPr>
+        <p:blipFill>
+          <a:blip r:embed="rId7"/>
+          <a:stretch>
+            <a:fillRect/>
+          </a:stretch>
+        </p:blipFill>
+        <p:spPr>
+          <a:xfrm>
+            <a:off x="8077200" y="5943600"/>
+            <a:ext cx="254000" cy="304800"/>
+          </a:xfrm>
+          <a:prstGeom prst="rect">
+            <a:avLst/>
+          </a:prstGeom>
+        </p:spPr>
+      </p:pic>
     </p:spTree>
     <p:extLst>
       <p:ext uri="{BB962C8B-B14F-4D97-AF65-F5344CB8AC3E}">
